--- a/6.Crypto/1.Full Course/8.Signature-MAC-Hash/Cryptology8-Signature-MAC-Hash.pptx
+++ b/6.Crypto/1.Full Course/8.Signature-MAC-Hash/Cryptology8-Signature-MAC-Hash.pptx
@@ -15,8 +15,8 @@
     <p:sldId id="258" r:id="rId6"/>
     <p:sldId id="259" r:id="rId7"/>
     <p:sldId id="275" r:id="rId8"/>
-    <p:sldId id="262" r:id="rId9"/>
-    <p:sldId id="263" r:id="rId10"/>
+    <p:sldId id="263" r:id="rId9"/>
+    <p:sldId id="262" r:id="rId10"/>
     <p:sldId id="264" r:id="rId11"/>
     <p:sldId id="277" r:id="rId12"/>
     <p:sldId id="265" r:id="rId13"/>
@@ -220,7 +220,7 @@
           <a:p>
             <a:fld id="{0FBB2B09-09A1-420A-863F-C88E8594038B}" type="datetimeFigureOut">
               <a:rPr lang="en-US" smtClean="0"/>
-              <a:t>3/7/2023</a:t>
+              <a:t>3/12/2024</a:t>
             </a:fld>
             <a:endParaRPr lang="en-US"/>
           </a:p>
@@ -2977,16 +2977,116 @@
           <a:p>
             <a:r>
               <a:rPr lang="en-US" dirty="0"/>
-              <a:t>The security of the DSA signature is also based on the discrete logarithm problem (like Diffie-Hellman) or the generalized discrete logarithm problem (elliptic curve.)</a:t>
-            </a:r>
-          </a:p>
-          <a:p>
+              <a:t>In DSA, the public key consists of:</a:t>
+            </a:r>
+          </a:p>
+          <a:p>
+            <a:pPr marL="228600" indent="-228600">
+              <a:buFont typeface="+mj-lt"/>
+              <a:buAutoNum type="arabicPeriod"/>
+            </a:pPr>
+            <a:r>
+              <a:rPr lang="en-US" dirty="0"/>
+              <a:t>A prime number p, ~2048 bits long</a:t>
+            </a:r>
+          </a:p>
+          <a:p>
+            <a:pPr marL="228600" indent="-228600">
+              <a:buFont typeface="+mj-lt"/>
+              <a:buAutoNum type="arabicPeriod"/>
+            </a:pPr>
+            <a:r>
+              <a:rPr lang="en-US" dirty="0"/>
+              <a:t>A divisor q, ~244 bits long, that divides p-1</a:t>
+            </a:r>
+          </a:p>
+          <a:p>
+            <a:pPr marL="228600" indent="-228600">
+              <a:buFont typeface="+mj-lt"/>
+              <a:buAutoNum type="arabicPeriod"/>
+            </a:pPr>
+            <a:r>
+              <a:rPr lang="en-US" dirty="0"/>
+              <a:t>α, which generates the group with q elements</a:t>
+            </a:r>
+          </a:p>
+          <a:p>
+            <a:pPr marL="228600" indent="-228600">
+              <a:buFont typeface="+mj-lt"/>
+              <a:buAutoNum type="arabicPeriod"/>
+            </a:pPr>
+            <a:r>
+              <a:rPr lang="en-US" dirty="0"/>
+              <a:t>β = </a:t>
+            </a:r>
+            <a:r>
+              <a:rPr lang="el-GR" dirty="0"/>
+              <a:t>α</a:t>
+            </a:r>
+            <a:r>
+              <a:rPr lang="en-US" baseline="30000" dirty="0"/>
+              <a:t>d</a:t>
+            </a:r>
+            <a:r>
+              <a:rPr lang="en-US" dirty="0"/>
+              <a:t> mod p,  where d is the private key.  (Remember DHKE, where Alice gave A = </a:t>
+            </a:r>
+            <a:r>
+              <a:rPr lang="el-GR" dirty="0"/>
+              <a:t>α</a:t>
+            </a:r>
+            <a:r>
+              <a:rPr lang="en-US" baseline="30000" dirty="0"/>
+              <a:t>a </a:t>
+            </a:r>
+            <a:r>
+              <a:rPr lang="en-US" dirty="0"/>
+              <a:t>to Bob, and Bob gave B = </a:t>
+            </a:r>
+            <a:r>
+              <a:rPr lang="el-GR" dirty="0"/>
+              <a:t>α</a:t>
+            </a:r>
+            <a:r>
+              <a:rPr lang="en-US" baseline="30000" dirty="0"/>
+              <a:t>b</a:t>
+            </a:r>
+            <a:r>
+              <a:rPr lang="en-US" dirty="0"/>
+              <a:t> to Alice?  It’s the same idea.)</a:t>
+            </a:r>
+          </a:p>
+          <a:p>
+            <a:pPr marL="228600" indent="-228600">
+              <a:buFont typeface="+mj-lt"/>
+              <a:buAutoNum type="arabicPeriod"/>
+            </a:pPr>
             <a:endParaRPr lang="en-US" dirty="0"/>
           </a:p>
           <a:p>
             <a:r>
               <a:rPr lang="en-US" dirty="0"/>
-              <a:t>The size of the modulus (2048 bits) and the subgroup (224 bits or more) is the same as regular Diffie-Hellman.  If you use elliptic curves the keys can be much smaller, just as in Elliptic Curve Diffie-Hellman (ECDH.)</a:t>
+              <a:t>The private key is d.</a:t>
+            </a:r>
+          </a:p>
+          <a:p>
+            <a:r>
+              <a:rPr lang="en-US" dirty="0"/>
+              <a:t>The public key is p, q, </a:t>
+            </a:r>
+            <a:r>
+              <a:rPr lang="el-GR" dirty="0"/>
+              <a:t>α</a:t>
+            </a:r>
+            <a:r>
+              <a:rPr lang="en-US" dirty="0"/>
+              <a:t>, β</a:t>
+            </a:r>
+          </a:p>
+          <a:p>
+            <a:r>
+              <a:rPr lang="en-US" dirty="0"/>
+              <a:t>The signature is two numbers this time, usually called r and s</a:t>
             </a:r>
           </a:p>
           <a:p>
@@ -2995,7 +3095,13 @@
           <a:p>
             <a:r>
               <a:rPr lang="en-US" dirty="0"/>
-              <a:t>In addition to the private key, there is also an “ephemeral” key.  Think nonce, initialization vector, or salt.  It can only be used once.  Any time you sign more than one message with the same ephemeral key, your signature can be broken.</a:t>
+              <a:t>Remember that there is also an ephemeral key used in computing the signature</a:t>
+            </a:r>
+          </a:p>
+          <a:p>
+            <a:r>
+              <a:rPr lang="en-US" dirty="0"/>
+              <a:t>(r and s) that is kept secret and never reused.</a:t>
             </a:r>
           </a:p>
         </p:txBody>
@@ -3007,7 +3113,7 @@
             <a:spLocks noGrp="1"/>
           </p:cNvSpPr>
           <p:nvPr>
-            <p:ph type="sldNum" sz="quarter" idx="5"/>
+            <p:ph type="sldNum" sz="quarter" idx="10"/>
           </p:nvPr>
         </p:nvSpPr>
         <p:spPr/>
@@ -3026,7 +3132,7 @@
     </p:spTree>
     <p:extLst>
       <p:ext uri="{BB962C8B-B14F-4D97-AF65-F5344CB8AC3E}">
-        <p14:creationId xmlns:p14="http://schemas.microsoft.com/office/powerpoint/2010/main" val="2444325516"/>
+        <p14:creationId xmlns:p14="http://schemas.microsoft.com/office/powerpoint/2010/main" val="1944732428"/>
       </p:ext>
     </p:extLst>
   </p:cSld>
@@ -3082,116 +3188,16 @@
           <a:p>
             <a:r>
               <a:rPr lang="en-US" dirty="0"/>
-              <a:t>In DSA, the public key consists of:</a:t>
-            </a:r>
-          </a:p>
-          <a:p>
-            <a:pPr marL="228600" indent="-228600">
-              <a:buFont typeface="+mj-lt"/>
-              <a:buAutoNum type="arabicPeriod"/>
-            </a:pPr>
-            <a:r>
-              <a:rPr lang="en-US" dirty="0"/>
-              <a:t>A prime number p, ~2048 bits long</a:t>
-            </a:r>
-          </a:p>
-          <a:p>
-            <a:pPr marL="228600" indent="-228600">
-              <a:buFont typeface="+mj-lt"/>
-              <a:buAutoNum type="arabicPeriod"/>
-            </a:pPr>
-            <a:r>
-              <a:rPr lang="en-US" dirty="0"/>
-              <a:t>A divisor q, ~244 bits long, that divides p-1</a:t>
-            </a:r>
-          </a:p>
-          <a:p>
-            <a:pPr marL="228600" indent="-228600">
-              <a:buFont typeface="+mj-lt"/>
-              <a:buAutoNum type="arabicPeriod"/>
-            </a:pPr>
-            <a:r>
-              <a:rPr lang="en-US" dirty="0"/>
-              <a:t>α, which generates the group with q elements</a:t>
-            </a:r>
-          </a:p>
-          <a:p>
-            <a:pPr marL="228600" indent="-228600">
-              <a:buFont typeface="+mj-lt"/>
-              <a:buAutoNum type="arabicPeriod"/>
-            </a:pPr>
-            <a:r>
-              <a:rPr lang="en-US" dirty="0"/>
-              <a:t>β = </a:t>
-            </a:r>
-            <a:r>
-              <a:rPr lang="el-GR" dirty="0"/>
-              <a:t>α</a:t>
-            </a:r>
-            <a:r>
-              <a:rPr lang="en-US" baseline="30000" dirty="0"/>
-              <a:t>d</a:t>
-            </a:r>
-            <a:r>
-              <a:rPr lang="en-US" dirty="0"/>
-              <a:t> mod p,  where d is the private key.  (Remember DHKE, where Alice gave A = </a:t>
-            </a:r>
-            <a:r>
-              <a:rPr lang="el-GR" dirty="0"/>
-              <a:t>α</a:t>
-            </a:r>
-            <a:r>
-              <a:rPr lang="en-US" baseline="30000" dirty="0"/>
-              <a:t>a </a:t>
-            </a:r>
-            <a:r>
-              <a:rPr lang="en-US" dirty="0"/>
-              <a:t>to Bob, and Bob gave B = </a:t>
-            </a:r>
-            <a:r>
-              <a:rPr lang="el-GR" dirty="0"/>
-              <a:t>α</a:t>
-            </a:r>
-            <a:r>
-              <a:rPr lang="en-US" baseline="30000" dirty="0"/>
-              <a:t>b</a:t>
-            </a:r>
-            <a:r>
-              <a:rPr lang="en-US" dirty="0"/>
-              <a:t> to Alice?  It’s the same idea.)</a:t>
-            </a:r>
-          </a:p>
-          <a:p>
-            <a:pPr marL="228600" indent="-228600">
-              <a:buFont typeface="+mj-lt"/>
-              <a:buAutoNum type="arabicPeriod"/>
-            </a:pPr>
+              <a:t>The security of the DSA signature is also based on the discrete logarithm problem (like Diffie-Hellman) or the generalized discrete logarithm problem (elliptic curve.)</a:t>
+            </a:r>
+          </a:p>
+          <a:p>
             <a:endParaRPr lang="en-US" dirty="0"/>
           </a:p>
           <a:p>
             <a:r>
               <a:rPr lang="en-US" dirty="0"/>
-              <a:t>The private key is d.</a:t>
-            </a:r>
-          </a:p>
-          <a:p>
-            <a:r>
-              <a:rPr lang="en-US" dirty="0"/>
-              <a:t>The public key is p, q, </a:t>
-            </a:r>
-            <a:r>
-              <a:rPr lang="el-GR" dirty="0"/>
-              <a:t>α</a:t>
-            </a:r>
-            <a:r>
-              <a:rPr lang="en-US" dirty="0"/>
-              <a:t>, β</a:t>
-            </a:r>
-          </a:p>
-          <a:p>
-            <a:r>
-              <a:rPr lang="en-US" dirty="0"/>
-              <a:t>The signature is two numbers this time, usually called r and s</a:t>
+              <a:t>The size of the modulus (2048 bits) and the subgroup (224 bits or more) is the same as regular Diffie-Hellman.  If you use elliptic curves the keys can be much smaller, just as in Elliptic Curve Diffie-Hellman (ECDH.)</a:t>
             </a:r>
           </a:p>
           <a:p>
@@ -3200,13 +3206,7 @@
           <a:p>
             <a:r>
               <a:rPr lang="en-US" dirty="0"/>
-              <a:t>Remember that there is also an ephemeral key used in computing the signature</a:t>
-            </a:r>
-          </a:p>
-          <a:p>
-            <a:r>
-              <a:rPr lang="en-US" dirty="0"/>
-              <a:t>(r and s) that is kept secret and never reused.</a:t>
+              <a:t>In addition to the private key, there is also an “ephemeral” key.  Think nonce, initialization vector, or salt.  It can only be used once.  Any time you sign more than one message with the same ephemeral key, your signature can be broken.</a:t>
             </a:r>
           </a:p>
         </p:txBody>
@@ -3218,7 +3218,7 @@
             <a:spLocks noGrp="1"/>
           </p:cNvSpPr>
           <p:nvPr>
-            <p:ph type="sldNum" sz="quarter" idx="10"/>
+            <p:ph type="sldNum" sz="quarter" idx="5"/>
           </p:nvPr>
         </p:nvSpPr>
         <p:spPr/>
@@ -3237,7 +3237,7 @@
     </p:spTree>
     <p:extLst>
       <p:ext uri="{BB962C8B-B14F-4D97-AF65-F5344CB8AC3E}">
-        <p14:creationId xmlns:p14="http://schemas.microsoft.com/office/powerpoint/2010/main" val="1944732428"/>
+        <p14:creationId xmlns:p14="http://schemas.microsoft.com/office/powerpoint/2010/main" val="2444325516"/>
       </p:ext>
     </p:extLst>
   </p:cSld>
@@ -3394,7 +3394,7 @@
           <a:p>
             <a:fld id="{1451AC46-F7BF-44D3-9ECB-7DDAC9A69083}" type="datetimeFigureOut">
               <a:rPr lang="en-US" smtClean="0"/>
-              <a:t>3/7/2023</a:t>
+              <a:t>3/12/2024</a:t>
             </a:fld>
             <a:endParaRPr lang="en-US"/>
           </a:p>
@@ -3592,7 +3592,7 @@
           <a:p>
             <a:fld id="{1451AC46-F7BF-44D3-9ECB-7DDAC9A69083}" type="datetimeFigureOut">
               <a:rPr lang="en-US" smtClean="0"/>
-              <a:t>3/7/2023</a:t>
+              <a:t>3/12/2024</a:t>
             </a:fld>
             <a:endParaRPr lang="en-US"/>
           </a:p>
@@ -3800,7 +3800,7 @@
           <a:p>
             <a:fld id="{1451AC46-F7BF-44D3-9ECB-7DDAC9A69083}" type="datetimeFigureOut">
               <a:rPr lang="en-US" smtClean="0"/>
-              <a:t>3/7/2023</a:t>
+              <a:t>3/12/2024</a:t>
             </a:fld>
             <a:endParaRPr lang="en-US"/>
           </a:p>
@@ -3998,7 +3998,7 @@
           <a:p>
             <a:fld id="{1451AC46-F7BF-44D3-9ECB-7DDAC9A69083}" type="datetimeFigureOut">
               <a:rPr lang="en-US" smtClean="0"/>
-              <a:t>3/7/2023</a:t>
+              <a:t>3/12/2024</a:t>
             </a:fld>
             <a:endParaRPr lang="en-US"/>
           </a:p>
@@ -4273,7 +4273,7 @@
           <a:p>
             <a:fld id="{1451AC46-F7BF-44D3-9ECB-7DDAC9A69083}" type="datetimeFigureOut">
               <a:rPr lang="en-US" smtClean="0"/>
-              <a:t>3/7/2023</a:t>
+              <a:t>3/12/2024</a:t>
             </a:fld>
             <a:endParaRPr lang="en-US"/>
           </a:p>
@@ -4538,7 +4538,7 @@
           <a:p>
             <a:fld id="{1451AC46-F7BF-44D3-9ECB-7DDAC9A69083}" type="datetimeFigureOut">
               <a:rPr lang="en-US" smtClean="0"/>
-              <a:t>3/7/2023</a:t>
+              <a:t>3/12/2024</a:t>
             </a:fld>
             <a:endParaRPr lang="en-US"/>
           </a:p>
@@ -4950,7 +4950,7 @@
           <a:p>
             <a:fld id="{1451AC46-F7BF-44D3-9ECB-7DDAC9A69083}" type="datetimeFigureOut">
               <a:rPr lang="en-US" smtClean="0"/>
-              <a:t>3/7/2023</a:t>
+              <a:t>3/12/2024</a:t>
             </a:fld>
             <a:endParaRPr lang="en-US"/>
           </a:p>
@@ -5091,7 +5091,7 @@
           <a:p>
             <a:fld id="{1451AC46-F7BF-44D3-9ECB-7DDAC9A69083}" type="datetimeFigureOut">
               <a:rPr lang="en-US" smtClean="0"/>
-              <a:t>3/7/2023</a:t>
+              <a:t>3/12/2024</a:t>
             </a:fld>
             <a:endParaRPr lang="en-US"/>
           </a:p>
@@ -5204,7 +5204,7 @@
           <a:p>
             <a:fld id="{1451AC46-F7BF-44D3-9ECB-7DDAC9A69083}" type="datetimeFigureOut">
               <a:rPr lang="en-US" smtClean="0"/>
-              <a:t>3/7/2023</a:t>
+              <a:t>3/12/2024</a:t>
             </a:fld>
             <a:endParaRPr lang="en-US"/>
           </a:p>
@@ -5515,7 +5515,7 @@
           <a:p>
             <a:fld id="{1451AC46-F7BF-44D3-9ECB-7DDAC9A69083}" type="datetimeFigureOut">
               <a:rPr lang="en-US" smtClean="0"/>
-              <a:t>3/7/2023</a:t>
+              <a:t>3/12/2024</a:t>
             </a:fld>
             <a:endParaRPr lang="en-US"/>
           </a:p>
@@ -5803,7 +5803,7 @@
           <a:p>
             <a:fld id="{1451AC46-F7BF-44D3-9ECB-7DDAC9A69083}" type="datetimeFigureOut">
               <a:rPr lang="en-US" smtClean="0"/>
-              <a:t>3/7/2023</a:t>
+              <a:t>3/12/2024</a:t>
             </a:fld>
             <a:endParaRPr lang="en-US"/>
           </a:p>
@@ -6044,7 +6044,7 @@
           <a:p>
             <a:fld id="{1451AC46-F7BF-44D3-9ECB-7DDAC9A69083}" type="datetimeFigureOut">
               <a:rPr lang="en-US" smtClean="0"/>
-              <a:t>3/7/2023</a:t>
+              <a:t>3/12/2024</a:t>
             </a:fld>
             <a:endParaRPr lang="en-US"/>
           </a:p>
@@ -8907,9 +8907,10 @@
               <a:buNone/>
             </a:pPr>
             <a:r>
-              <a:rPr lang="en-US" sz="3200" dirty="0"/>
+              <a:rPr lang="en-US" sz="4100" dirty="0"/>
               <a:t>Alice</a:t>
             </a:r>
+            <a:endParaRPr lang="en-US" sz="3200" dirty="0"/>
           </a:p>
           <a:p>
             <a:pPr marL="0" indent="0">
@@ -8999,12 +9000,8 @@
               <a:buNone/>
             </a:pPr>
             <a:r>
-              <a:rPr lang="en-US"/>
-              <a:t>hash(x)                       </a:t>
-            </a:r>
-            <a:r>
-              <a:rPr lang="en-US" dirty="0"/>
-              <a:t>(original plaintext)</a:t>
+              <a:rPr lang="en-US" dirty="0"/>
+              <a:t>hash(x)            (original plaintext)</a:t>
             </a:r>
           </a:p>
           <a:p>
@@ -9652,7 +9649,7 @@
           <p:cNvPr id="2" name="Title 1">
             <a:extLst>
               <a:ext uri="{FF2B5EF4-FFF2-40B4-BE49-F238E27FC236}">
-                <a16:creationId xmlns:a16="http://schemas.microsoft.com/office/drawing/2014/main" id="{AA6096CB-4AD8-41E7-B14D-7D5C926BE75B}"/>
+                <a16:creationId xmlns:a16="http://schemas.microsoft.com/office/drawing/2014/main" id="{C1BB9E9C-D738-4021-9351-623BBAAC0C20}"/>
               </a:ext>
             </a:extLst>
           </p:cNvPr>
@@ -9670,7 +9667,7 @@
           <a:p>
             <a:r>
               <a:rPr lang="en-US" dirty="0"/>
-              <a:t>DSA Signatures—Diffie-Hellman with a twist</a:t>
+              <a:t>DSA Signature</a:t>
             </a:r>
           </a:p>
         </p:txBody>
@@ -9680,7 +9677,7 @@
           <p:cNvPr id="3" name="Content Placeholder 2">
             <a:extLst>
               <a:ext uri="{FF2B5EF4-FFF2-40B4-BE49-F238E27FC236}">
-                <a16:creationId xmlns:a16="http://schemas.microsoft.com/office/drawing/2014/main" id="{65C5ABAC-BD57-438A-A392-09386D7B0B72}"/>
+                <a16:creationId xmlns:a16="http://schemas.microsoft.com/office/drawing/2014/main" id="{D9152770-DCEE-4144-BE54-CBBB39D7B263}"/>
               </a:ext>
             </a:extLst>
           </p:cNvPr>
@@ -9691,39 +9688,94 @@
             <p:ph idx="1"/>
           </p:nvPr>
         </p:nvSpPr>
-        <p:spPr/>
-        <p:txBody>
-          <a:bodyPr/>
-          <a:lstStyle/>
-          <a:p>
-            <a:r>
-              <a:rPr lang="en-US" dirty="0"/>
-              <a:t>Use Discrete Log Problem (DLP) or Elliptic Curve (ECC), just as DH or ECDH do. </a:t>
-            </a:r>
-          </a:p>
-          <a:p>
-            <a:r>
-              <a:rPr lang="en-US" dirty="0"/>
-              <a:t>Use a prime number ~2048 bits long, and a subgroup with number of members ~224 bits long</a:t>
-            </a:r>
-          </a:p>
-          <a:p>
-            <a:r>
-              <a:rPr lang="en-US" dirty="0"/>
-              <a:t>Protect the private key by computing an “ephemeral” key in the subgroup</a:t>
-            </a:r>
-          </a:p>
-          <a:p>
-            <a:r>
-              <a:rPr lang="en-US" dirty="0"/>
-              <a:t>Ephemeral key must only be used once</a:t>
+        <p:spPr>
+          <a:xfrm>
+            <a:off x="838200" y="1861251"/>
+            <a:ext cx="10515600" cy="4351338"/>
+          </a:xfrm>
+        </p:spPr>
+        <p:txBody>
+          <a:bodyPr>
+            <a:normAutofit/>
+          </a:bodyPr>
+          <a:lstStyle/>
+          <a:p>
+            <a:r>
+              <a:rPr lang="en-US" dirty="0"/>
+              <a:t>Signature is two numbers (usually called r, s) </a:t>
+            </a:r>
+            <a:r>
+              <a:rPr lang="en-US" u="sng" dirty="0"/>
+              <a:t>calculated</a:t>
+            </a:r>
+            <a:r>
+              <a:rPr lang="en-US" dirty="0"/>
+              <a:t> from:</a:t>
             </a:r>
           </a:p>
           <a:p>
             <a:pPr lvl="1"/>
             <a:r>
               <a:rPr lang="en-US" dirty="0"/>
-              <a:t>Sony PlayStation-3 private key was compromised due to ephemeral key reuse</a:t>
+              <a:t>Ephemeral key</a:t>
+            </a:r>
+          </a:p>
+          <a:p>
+            <a:pPr lvl="1"/>
+            <a:r>
+              <a:rPr lang="en-US" dirty="0"/>
+              <a:t>Private key</a:t>
+            </a:r>
+          </a:p>
+          <a:p>
+            <a:pPr lvl="1"/>
+            <a:r>
+              <a:rPr lang="en-US" dirty="0"/>
+              <a:t>SHA hash of message</a:t>
+            </a:r>
+          </a:p>
+          <a:p>
+            <a:r>
+              <a:rPr lang="en-US" dirty="0"/>
+              <a:t>Signature is </a:t>
+            </a:r>
+            <a:r>
+              <a:rPr lang="en-US" u="sng" dirty="0"/>
+              <a:t>verified</a:t>
+            </a:r>
+            <a:r>
+              <a:rPr lang="en-US" dirty="0"/>
+              <a:t> with similar calculation (but with the public key)</a:t>
+            </a:r>
+          </a:p>
+          <a:p>
+            <a:pPr lvl="1"/>
+            <a:r>
+              <a:rPr lang="en-US" dirty="0">
+                <a:hlinkClick r:id="rId3"/>
+              </a:rPr>
+              <a:t>https://www.di-mgt.com.au/public-key-crypto-discrete-logs-4-dsa.html</a:t>
+            </a:r>
+            <a:r>
+              <a:rPr lang="en-US" dirty="0"/>
+              <a:t> </a:t>
+            </a:r>
+          </a:p>
+          <a:p>
+            <a:r>
+              <a:rPr lang="en-US" dirty="0"/>
+              <a:t>DSA is now deprecated.  ECDSA is </a:t>
+            </a:r>
+            <a:r>
+              <a:rPr lang="en-US"/>
+              <a:t>recommended instead</a:t>
+            </a:r>
+            <a:endParaRPr lang="en-US" dirty="0"/>
+          </a:p>
+          <a:p>
+            <a:r>
+              <a:rPr lang="en-US" dirty="0"/>
+              <a:t>Good description of ECDSA (elliptic curve DSA) here:</a:t>
             </a:r>
           </a:p>
           <a:p>
@@ -9731,13 +9783,13 @@
               <a:buNone/>
             </a:pPr>
             <a:r>
-              <a:rPr lang="en-US" sz="1800" dirty="0">
-                <a:hlinkClick r:id="rId3"/>
+              <a:rPr lang="en-US" sz="2200" dirty="0">
+                <a:hlinkClick r:id="rId4"/>
               </a:rPr>
-              <a:t>https://arstechnica.com/gaming/2010/12/ps3-hacked-through-poor-implementation-of-cryptography/</a:t>
-            </a:r>
-            <a:r>
-              <a:rPr lang="en-US" sz="1800" dirty="0"/>
+              <a:t>http://andrea.corbellini.name/2015/05/30/elliptic-curve-cryptography-ecdh-and-ecdsa/</a:t>
+            </a:r>
+            <a:r>
+              <a:rPr lang="en-US" sz="2200" dirty="0"/>
               <a:t> </a:t>
             </a:r>
           </a:p>
@@ -9745,23 +9797,14 @@
             <a:pPr marL="0" indent="0">
               <a:buNone/>
             </a:pPr>
-            <a:r>
-              <a:rPr lang="en-US" sz="1800" dirty="0">
-                <a:hlinkClick r:id="rId4"/>
-              </a:rPr>
-              <a:t>http://andrea.corbellini.name/2015/05/30/elliptic-curve-cryptography-ecdh-and-ecdsa/</a:t>
-            </a:r>
-            <a:r>
-              <a:rPr lang="en-US" sz="1800" dirty="0"/>
-              <a:t> </a:t>
-            </a:r>
+            <a:endParaRPr lang="en-US" dirty="0"/>
           </a:p>
         </p:txBody>
       </p:sp>
     </p:spTree>
     <p:extLst>
       <p:ext uri="{BB962C8B-B14F-4D97-AF65-F5344CB8AC3E}">
-        <p14:creationId xmlns:p14="http://schemas.microsoft.com/office/powerpoint/2010/main" val="3041097808"/>
+        <p14:creationId xmlns:p14="http://schemas.microsoft.com/office/powerpoint/2010/main" val="148593008"/>
       </p:ext>
     </p:extLst>
   </p:cSld>
@@ -9793,7 +9836,7 @@
           <p:cNvPr id="2" name="Title 1">
             <a:extLst>
               <a:ext uri="{FF2B5EF4-FFF2-40B4-BE49-F238E27FC236}">
-                <a16:creationId xmlns:a16="http://schemas.microsoft.com/office/drawing/2014/main" id="{C1BB9E9C-D738-4021-9351-623BBAAC0C20}"/>
+                <a16:creationId xmlns:a16="http://schemas.microsoft.com/office/drawing/2014/main" id="{AA6096CB-4AD8-41E7-B14D-7D5C926BE75B}"/>
               </a:ext>
             </a:extLst>
           </p:cNvPr>
@@ -9811,7 +9854,7 @@
           <a:p>
             <a:r>
               <a:rPr lang="en-US" dirty="0"/>
-              <a:t>DSA Signature</a:t>
+              <a:t>DSA Signatures—Diffie-Hellman with a twist</a:t>
             </a:r>
           </a:p>
         </p:txBody>
@@ -9821,7 +9864,7 @@
           <p:cNvPr id="3" name="Content Placeholder 2">
             <a:extLst>
               <a:ext uri="{FF2B5EF4-FFF2-40B4-BE49-F238E27FC236}">
-                <a16:creationId xmlns:a16="http://schemas.microsoft.com/office/drawing/2014/main" id="{D9152770-DCEE-4144-BE54-CBBB39D7B263}"/>
+                <a16:creationId xmlns:a16="http://schemas.microsoft.com/office/drawing/2014/main" id="{65C5ABAC-BD57-438A-A392-09386D7B0B72}"/>
               </a:ext>
             </a:extLst>
           </p:cNvPr>
@@ -9832,83 +9875,39 @@
             <p:ph idx="1"/>
           </p:nvPr>
         </p:nvSpPr>
-        <p:spPr>
-          <a:xfrm>
-            <a:off x="838200" y="1861251"/>
-            <a:ext cx="10515600" cy="4351338"/>
-          </a:xfrm>
-        </p:spPr>
-        <p:txBody>
-          <a:bodyPr>
-            <a:normAutofit/>
-          </a:bodyPr>
-          <a:lstStyle/>
-          <a:p>
-            <a:r>
-              <a:rPr lang="en-US" dirty="0"/>
-              <a:t>Signature is two numbers (usually called r, s) </a:t>
-            </a:r>
-            <a:r>
-              <a:rPr lang="en-US" u="sng" dirty="0"/>
-              <a:t>calculated</a:t>
-            </a:r>
-            <a:r>
-              <a:rPr lang="en-US" dirty="0"/>
-              <a:t> from:</a:t>
+        <p:spPr/>
+        <p:txBody>
+          <a:bodyPr/>
+          <a:lstStyle/>
+          <a:p>
+            <a:r>
+              <a:rPr lang="en-US" dirty="0"/>
+              <a:t>Use Discrete Log Problem (DLP) or Elliptic Curve (ECC), just as DH or ECDH do. </a:t>
+            </a:r>
+          </a:p>
+          <a:p>
+            <a:r>
+              <a:rPr lang="en-US" dirty="0"/>
+              <a:t>Use a prime number ~2048 bits long, and a subgroup with number of members ~224 bits long</a:t>
+            </a:r>
+          </a:p>
+          <a:p>
+            <a:r>
+              <a:rPr lang="en-US" dirty="0"/>
+              <a:t>Protect the private key by computing an “ephemeral” key in the subgroup</a:t>
+            </a:r>
+          </a:p>
+          <a:p>
+            <a:r>
+              <a:rPr lang="en-US" dirty="0"/>
+              <a:t>Ephemeral key must only be used once</a:t>
             </a:r>
           </a:p>
           <a:p>
             <a:pPr lvl="1"/>
             <a:r>
               <a:rPr lang="en-US" dirty="0"/>
-              <a:t>Ephemeral key</a:t>
-            </a:r>
-          </a:p>
-          <a:p>
-            <a:pPr lvl="1"/>
-            <a:r>
-              <a:rPr lang="en-US" dirty="0"/>
-              <a:t>Private key</a:t>
-            </a:r>
-          </a:p>
-          <a:p>
-            <a:pPr lvl="1"/>
-            <a:r>
-              <a:rPr lang="en-US" dirty="0"/>
-              <a:t>SHA hash of message</a:t>
-            </a:r>
-          </a:p>
-          <a:p>
-            <a:r>
-              <a:rPr lang="en-US" dirty="0"/>
-              <a:t>Signature is </a:t>
-            </a:r>
-            <a:r>
-              <a:rPr lang="en-US" u="sng" dirty="0"/>
-              <a:t>verified</a:t>
-            </a:r>
-            <a:r>
-              <a:rPr lang="en-US" dirty="0"/>
-              <a:t> with similar calculation (but with the public key)</a:t>
-            </a:r>
-          </a:p>
-          <a:p>
-            <a:pPr lvl="1"/>
-            <a:r>
-              <a:rPr lang="en-US" dirty="0">
-                <a:hlinkClick r:id="rId3"/>
-              </a:rPr>
-              <a:t>https://www.di-mgt.com.au/public-key-crypto-discrete-logs-4-dsa.html</a:t>
-            </a:r>
-            <a:r>
-              <a:rPr lang="en-US" dirty="0"/>
-              <a:t> </a:t>
-            </a:r>
-          </a:p>
-          <a:p>
-            <a:r>
-              <a:rPr lang="en-US" dirty="0"/>
-              <a:t>Good description of ECDSA (elliptic curve DSA) here:</a:t>
+              <a:t>Sony PlayStation-3 private key was compromised due to ephemeral key reuse</a:t>
             </a:r>
           </a:p>
           <a:p>
@@ -9916,28 +9915,37 @@
               <a:buNone/>
             </a:pPr>
             <a:r>
-              <a:rPr lang="en-US" sz="2200" dirty="0">
+              <a:rPr lang="en-US" sz="1800" dirty="0">
+                <a:hlinkClick r:id="rId3"/>
+              </a:rPr>
+              <a:t>https://arstechnica.com/gaming/2010/12/ps3-hacked-through-poor-implementation-of-cryptography/</a:t>
+            </a:r>
+            <a:r>
+              <a:rPr lang="en-US" sz="1800" dirty="0"/>
+              <a:t> </a:t>
+            </a:r>
+          </a:p>
+          <a:p>
+            <a:pPr marL="0" indent="0">
+              <a:buNone/>
+            </a:pPr>
+            <a:r>
+              <a:rPr lang="en-US" sz="1800" dirty="0">
                 <a:hlinkClick r:id="rId4"/>
               </a:rPr>
               <a:t>http://andrea.corbellini.name/2015/05/30/elliptic-curve-cryptography-ecdh-and-ecdsa/</a:t>
             </a:r>
             <a:r>
-              <a:rPr lang="en-US" sz="2200" dirty="0"/>
+              <a:rPr lang="en-US" sz="1800" dirty="0"/>
               <a:t> </a:t>
             </a:r>
-          </a:p>
-          <a:p>
-            <a:pPr marL="0" indent="0">
-              <a:buNone/>
-            </a:pPr>
-            <a:endParaRPr lang="en-US" dirty="0"/>
           </a:p>
         </p:txBody>
       </p:sp>
     </p:spTree>
     <p:extLst>
       <p:ext uri="{BB962C8B-B14F-4D97-AF65-F5344CB8AC3E}">
-        <p14:creationId xmlns:p14="http://schemas.microsoft.com/office/powerpoint/2010/main" val="148593008"/>
+        <p14:creationId xmlns:p14="http://schemas.microsoft.com/office/powerpoint/2010/main" val="3041097808"/>
       </p:ext>
     </p:extLst>
   </p:cSld>
